--- a/Unit 3 Kinematics/Day09 UniformMotionGraphs/Graphs for Uniform Motion.pptx
+++ b/Unit 3 Kinematics/Day09 UniformMotionGraphs/Graphs for Uniform Motion.pptx
@@ -17,7 +17,8 @@
     <p:sldId id="262" r:id="rId11"/>
     <p:sldId id="272" r:id="rId12"/>
     <p:sldId id="273" r:id="rId13"/>
-    <p:sldId id="274" r:id="rId14"/>
+    <p:sldId id="275" r:id="rId14"/>
+    <p:sldId id="274" r:id="rId15"/>
   </p:sldIdLst>
   <p:sldSz cx="9144000" cy="6858000" type="screen4x3"/>
   <p:notesSz cx="7086600" cy="9372600"/>
@@ -317,7 +318,7 @@
             <a:fld id="{C368A729-768F-42DE-BD90-57F1EE9B446B}" type="datetimeFigureOut">
               <a:rPr lang="en-US" smtClean="0"/>
               <a:pPr/>
-              <a:t>4/21/2017</a:t>
+              <a:t>10/28/2019</a:t>
             </a:fld>
             <a:endParaRPr lang="en-US"/>
           </a:p>
@@ -489,7 +490,7 @@
             <a:fld id="{C368A729-768F-42DE-BD90-57F1EE9B446B}" type="datetimeFigureOut">
               <a:rPr lang="en-US" smtClean="0"/>
               <a:pPr/>
-              <a:t>4/21/2017</a:t>
+              <a:t>10/28/2019</a:t>
             </a:fld>
             <a:endParaRPr lang="en-US"/>
           </a:p>
@@ -671,7 +672,7 @@
             <a:fld id="{C368A729-768F-42DE-BD90-57F1EE9B446B}" type="datetimeFigureOut">
               <a:rPr lang="en-US" smtClean="0"/>
               <a:pPr/>
-              <a:t>4/21/2017</a:t>
+              <a:t>10/28/2019</a:t>
             </a:fld>
             <a:endParaRPr lang="en-US"/>
           </a:p>
@@ -843,7 +844,7 @@
             <a:fld id="{C368A729-768F-42DE-BD90-57F1EE9B446B}" type="datetimeFigureOut">
               <a:rPr lang="en-US" smtClean="0"/>
               <a:pPr/>
-              <a:t>4/21/2017</a:t>
+              <a:t>10/28/2019</a:t>
             </a:fld>
             <a:endParaRPr lang="en-US"/>
           </a:p>
@@ -1091,7 +1092,7 @@
             <a:fld id="{C368A729-768F-42DE-BD90-57F1EE9B446B}" type="datetimeFigureOut">
               <a:rPr lang="en-US" smtClean="0"/>
               <a:pPr/>
-              <a:t>4/21/2017</a:t>
+              <a:t>10/28/2019</a:t>
             </a:fld>
             <a:endParaRPr lang="en-US"/>
           </a:p>
@@ -1381,7 +1382,7 @@
             <a:fld id="{C368A729-768F-42DE-BD90-57F1EE9B446B}" type="datetimeFigureOut">
               <a:rPr lang="en-US" smtClean="0"/>
               <a:pPr/>
-              <a:t>4/21/2017</a:t>
+              <a:t>10/28/2019</a:t>
             </a:fld>
             <a:endParaRPr lang="en-US"/>
           </a:p>
@@ -1805,7 +1806,7 @@
             <a:fld id="{C368A729-768F-42DE-BD90-57F1EE9B446B}" type="datetimeFigureOut">
               <a:rPr lang="en-US" smtClean="0"/>
               <a:pPr/>
-              <a:t>4/21/2017</a:t>
+              <a:t>10/28/2019</a:t>
             </a:fld>
             <a:endParaRPr lang="en-US"/>
           </a:p>
@@ -1925,7 +1926,7 @@
             <a:fld id="{C368A729-768F-42DE-BD90-57F1EE9B446B}" type="datetimeFigureOut">
               <a:rPr lang="en-US" smtClean="0"/>
               <a:pPr/>
-              <a:t>4/21/2017</a:t>
+              <a:t>10/28/2019</a:t>
             </a:fld>
             <a:endParaRPr lang="en-US"/>
           </a:p>
@@ -2022,7 +2023,7 @@
             <a:fld id="{C368A729-768F-42DE-BD90-57F1EE9B446B}" type="datetimeFigureOut">
               <a:rPr lang="en-US" smtClean="0"/>
               <a:pPr/>
-              <a:t>4/21/2017</a:t>
+              <a:t>10/28/2019</a:t>
             </a:fld>
             <a:endParaRPr lang="en-US"/>
           </a:p>
@@ -2301,7 +2302,7 @@
             <a:fld id="{C368A729-768F-42DE-BD90-57F1EE9B446B}" type="datetimeFigureOut">
               <a:rPr lang="en-US" smtClean="0"/>
               <a:pPr/>
-              <a:t>4/21/2017</a:t>
+              <a:t>10/28/2019</a:t>
             </a:fld>
             <a:endParaRPr lang="en-US"/>
           </a:p>
@@ -2556,7 +2557,7 @@
             <a:fld id="{C368A729-768F-42DE-BD90-57F1EE9B446B}" type="datetimeFigureOut">
               <a:rPr lang="en-US" smtClean="0"/>
               <a:pPr/>
-              <a:t>4/21/2017</a:t>
+              <a:t>10/28/2019</a:t>
             </a:fld>
             <a:endParaRPr lang="en-US"/>
           </a:p>
@@ -2771,7 +2772,7 @@
             <a:fld id="{C368A729-768F-42DE-BD90-57F1EE9B446B}" type="datetimeFigureOut">
               <a:rPr lang="en-US" smtClean="0"/>
               <a:pPr/>
-              <a:t>4/21/2017</a:t>
+              <a:t>10/28/2019</a:t>
             </a:fld>
             <a:endParaRPr lang="en-US"/>
           </a:p>
@@ -5674,6 +5675,84 @@
           <a:chExt cx="0" cy="0"/>
         </a:xfrm>
       </p:grpSpPr>
+      <p:pic>
+        <p:nvPicPr>
+          <p:cNvPr id="2" name="Picture 1"/>
+          <p:cNvPicPr>
+            <a:picLocks noChangeAspect="1"/>
+          </p:cNvPicPr>
+          <p:nvPr/>
+        </p:nvPicPr>
+        <p:blipFill>
+          <a:blip r:embed="rId2"/>
+          <a:stretch>
+            <a:fillRect/>
+          </a:stretch>
+        </p:blipFill>
+        <p:spPr>
+          <a:xfrm>
+            <a:off x="2667000" y="762000"/>
+            <a:ext cx="4214813" cy="2654556"/>
+          </a:xfrm>
+          <a:prstGeom prst="rect">
+            <a:avLst/>
+          </a:prstGeom>
+        </p:spPr>
+      </p:pic>
+      <p:pic>
+        <p:nvPicPr>
+          <p:cNvPr id="3" name="Picture 2"/>
+          <p:cNvPicPr>
+            <a:picLocks noChangeAspect="1"/>
+          </p:cNvPicPr>
+          <p:nvPr/>
+        </p:nvPicPr>
+        <p:blipFill>
+          <a:blip r:embed="rId3"/>
+          <a:stretch>
+            <a:fillRect/>
+          </a:stretch>
+        </p:blipFill>
+        <p:spPr>
+          <a:xfrm>
+            <a:off x="2667000" y="3416556"/>
+            <a:ext cx="4495800" cy="3073775"/>
+          </a:xfrm>
+          <a:prstGeom prst="rect">
+            <a:avLst/>
+          </a:prstGeom>
+        </p:spPr>
+      </p:pic>
+    </p:spTree>
+    <p:extLst>
+      <p:ext uri="{BB962C8B-B14F-4D97-AF65-F5344CB8AC3E}">
+        <p14:creationId xmlns:p14="http://schemas.microsoft.com/office/powerpoint/2010/main" val="4190288014"/>
+      </p:ext>
+    </p:extLst>
+  </p:cSld>
+  <p:clrMapOvr>
+    <a:masterClrMapping/>
+  </p:clrMapOvr>
+</p:sld>
+</file>
+
+<file path=ppt/slides/slide14.xml><?xml version="1.0" encoding="utf-8"?>
+<p:sld xmlns:a="http://schemas.openxmlformats.org/drawingml/2006/main" xmlns:r="http://schemas.openxmlformats.org/officeDocument/2006/relationships" xmlns:p="http://schemas.openxmlformats.org/presentationml/2006/main">
+  <p:cSld>
+    <p:spTree>
+      <p:nvGrpSpPr>
+        <p:cNvPr id="1" name=""/>
+        <p:cNvGrpSpPr/>
+        <p:nvPr/>
+      </p:nvGrpSpPr>
+      <p:grpSpPr>
+        <a:xfrm>
+          <a:off x="0" y="0"/>
+          <a:ext cx="0" cy="0"/>
+          <a:chOff x="0" y="0"/>
+          <a:chExt cx="0" cy="0"/>
+        </a:xfrm>
+      </p:grpSpPr>
       <p:sp>
         <p:nvSpPr>
           <p:cNvPr id="2" name="TextBox 1"/>
@@ -7348,8 +7427,20 @@
                 <a:tableStyleId>{616DA210-FB5B-4158-B5E0-FEB733F419BA}</a:tableStyleId>
               </a:tblPr>
               <a:tblGrid>
-                <a:gridCol w="1524000"/>
-                <a:gridCol w="1524000"/>
+                <a:gridCol w="1524000">
+                  <a:extLst>
+                    <a:ext uri="{9D8B030D-6E8A-4147-A177-3AD203B41FA5}">
+                      <a16:colId xmlns:a16="http://schemas.microsoft.com/office/drawing/2014/main" val="20000"/>
+                    </a:ext>
+                  </a:extLst>
+                </a:gridCol>
+                <a:gridCol w="1524000">
+                  <a:extLst>
+                    <a:ext uri="{9D8B030D-6E8A-4147-A177-3AD203B41FA5}">
+                      <a16:colId xmlns:a16="http://schemas.microsoft.com/office/drawing/2014/main" val="20001"/>
+                    </a:ext>
+                  </a:extLst>
+                </a:gridCol>
               </a:tblGrid>
               <a:tr h="457200">
                 <a:tc>
@@ -7384,6 +7475,11 @@
                   </a:txBody>
                   <a:tcPr/>
                 </a:tc>
+                <a:extLst>
+                  <a:ext uri="{0D108BD9-81ED-4DB2-BD59-A6C34878D82A}">
+                    <a16:rowId xmlns:a16="http://schemas.microsoft.com/office/drawing/2014/main" val="10000"/>
+                  </a:ext>
+                </a:extLst>
               </a:tr>
               <a:tr h="457200">
                 <a:tc>
@@ -7414,6 +7510,11 @@
                   </a:txBody>
                   <a:tcPr/>
                 </a:tc>
+                <a:extLst>
+                  <a:ext uri="{0D108BD9-81ED-4DB2-BD59-A6C34878D82A}">
+                    <a16:rowId xmlns:a16="http://schemas.microsoft.com/office/drawing/2014/main" val="10001"/>
+                  </a:ext>
+                </a:extLst>
               </a:tr>
               <a:tr h="457200">
                 <a:tc>
@@ -7440,6 +7541,11 @@
                   </a:txBody>
                   <a:tcPr/>
                 </a:tc>
+                <a:extLst>
+                  <a:ext uri="{0D108BD9-81ED-4DB2-BD59-A6C34878D82A}">
+                    <a16:rowId xmlns:a16="http://schemas.microsoft.com/office/drawing/2014/main" val="10002"/>
+                  </a:ext>
+                </a:extLst>
               </a:tr>
               <a:tr h="457200">
                 <a:tc>
@@ -7466,6 +7572,11 @@
                   </a:txBody>
                   <a:tcPr/>
                 </a:tc>
+                <a:extLst>
+                  <a:ext uri="{0D108BD9-81ED-4DB2-BD59-A6C34878D82A}">
+                    <a16:rowId xmlns:a16="http://schemas.microsoft.com/office/drawing/2014/main" val="10003"/>
+                  </a:ext>
+                </a:extLst>
               </a:tr>
               <a:tr h="457200">
                 <a:tc>
@@ -7492,6 +7603,11 @@
                   </a:txBody>
                   <a:tcPr/>
                 </a:tc>
+                <a:extLst>
+                  <a:ext uri="{0D108BD9-81ED-4DB2-BD59-A6C34878D82A}">
+                    <a16:rowId xmlns:a16="http://schemas.microsoft.com/office/drawing/2014/main" val="10004"/>
+                  </a:ext>
+                </a:extLst>
               </a:tr>
               <a:tr h="457200">
                 <a:tc>
@@ -7518,6 +7634,11 @@
                   </a:txBody>
                   <a:tcPr/>
                 </a:tc>
+                <a:extLst>
+                  <a:ext uri="{0D108BD9-81ED-4DB2-BD59-A6C34878D82A}">
+                    <a16:rowId xmlns:a16="http://schemas.microsoft.com/office/drawing/2014/main" val="10005"/>
+                  </a:ext>
+                </a:extLst>
               </a:tr>
               <a:tr h="457200">
                 <a:tc>
@@ -7544,6 +7665,11 @@
                   </a:txBody>
                   <a:tcPr/>
                 </a:tc>
+                <a:extLst>
+                  <a:ext uri="{0D108BD9-81ED-4DB2-BD59-A6C34878D82A}">
+                    <a16:rowId xmlns:a16="http://schemas.microsoft.com/office/drawing/2014/main" val="10006"/>
+                  </a:ext>
+                </a:extLst>
               </a:tr>
             </a:tbl>
           </a:graphicData>
